--- a/Greedy/10775/10775.pptx
+++ b/Greedy/10775/10775.pptx
@@ -12,13 +12,14 @@
     <p:sldId id="265" r:id="rId6"/>
     <p:sldId id="266" r:id="rId7"/>
     <p:sldId id="267" r:id="rId8"/>
-    <p:sldId id="268" r:id="rId9"/>
-    <p:sldId id="269" r:id="rId10"/>
-    <p:sldId id="270" r:id="rId11"/>
-    <p:sldId id="271" r:id="rId12"/>
-    <p:sldId id="272" r:id="rId13"/>
-    <p:sldId id="273" r:id="rId14"/>
-    <p:sldId id="274" r:id="rId15"/>
+    <p:sldId id="275" r:id="rId9"/>
+    <p:sldId id="268" r:id="rId10"/>
+    <p:sldId id="269" r:id="rId11"/>
+    <p:sldId id="270" r:id="rId12"/>
+    <p:sldId id="271" r:id="rId13"/>
+    <p:sldId id="272" r:id="rId14"/>
+    <p:sldId id="273" r:id="rId15"/>
+    <p:sldId id="274" r:id="rId16"/>
   </p:sldIdLst>
   <p:sldSz cx="12192000" cy="6858000"/>
   <p:notesSz cx="6858000" cy="9144000"/>
@@ -264,7 +265,7 @@
           <a:p>
             <a:fld id="{27E64BD6-8A7C-478B-A3BB-E923DAEAA90C}" type="datetimeFigureOut">
               <a:rPr lang="ko-KR" altLang="en-US" smtClean="0"/>
-              <a:t>2025-05-04</a:t>
+              <a:t>2025-05-07</a:t>
             </a:fld>
             <a:endParaRPr lang="ko-KR" altLang="en-US"/>
           </a:p>
@@ -475,7 +476,7 @@
           <a:p>
             <a:fld id="{27E64BD6-8A7C-478B-A3BB-E923DAEAA90C}" type="datetimeFigureOut">
               <a:rPr lang="ko-KR" altLang="en-US" smtClean="0"/>
-              <a:t>2025-05-04</a:t>
+              <a:t>2025-05-07</a:t>
             </a:fld>
             <a:endParaRPr lang="ko-KR" altLang="en-US"/>
           </a:p>
@@ -690,7 +691,7 @@
           <a:p>
             <a:fld id="{27E64BD6-8A7C-478B-A3BB-E923DAEAA90C}" type="datetimeFigureOut">
               <a:rPr lang="ko-KR" altLang="en-US" smtClean="0"/>
-              <a:t>2025-05-04</a:t>
+              <a:t>2025-05-07</a:t>
             </a:fld>
             <a:endParaRPr lang="ko-KR" altLang="en-US"/>
           </a:p>
@@ -891,7 +892,7 @@
           <a:p>
             <a:fld id="{27E64BD6-8A7C-478B-A3BB-E923DAEAA90C}" type="datetimeFigureOut">
               <a:rPr lang="ko-KR" altLang="en-US" smtClean="0"/>
-              <a:t>2025-05-04</a:t>
+              <a:t>2025-05-07</a:t>
             </a:fld>
             <a:endParaRPr lang="ko-KR" altLang="en-US"/>
           </a:p>
@@ -1170,7 +1171,7 @@
           <a:p>
             <a:fld id="{27E64BD6-8A7C-478B-A3BB-E923DAEAA90C}" type="datetimeFigureOut">
               <a:rPr lang="ko-KR" altLang="en-US" smtClean="0"/>
-              <a:t>2025-05-04</a:t>
+              <a:t>2025-05-07</a:t>
             </a:fld>
             <a:endParaRPr lang="ko-KR" altLang="en-US"/>
           </a:p>
@@ -1438,7 +1439,7 @@
           <a:p>
             <a:fld id="{27E64BD6-8A7C-478B-A3BB-E923DAEAA90C}" type="datetimeFigureOut">
               <a:rPr lang="ko-KR" altLang="en-US" smtClean="0"/>
-              <a:t>2025-05-04</a:t>
+              <a:t>2025-05-07</a:t>
             </a:fld>
             <a:endParaRPr lang="ko-KR" altLang="en-US"/>
           </a:p>
@@ -1854,7 +1855,7 @@
           <a:p>
             <a:fld id="{27E64BD6-8A7C-478B-A3BB-E923DAEAA90C}" type="datetimeFigureOut">
               <a:rPr lang="ko-KR" altLang="en-US" smtClean="0"/>
-              <a:t>2025-05-04</a:t>
+              <a:t>2025-05-07</a:t>
             </a:fld>
             <a:endParaRPr lang="ko-KR" altLang="en-US"/>
           </a:p>
@@ -2003,7 +2004,7 @@
           <a:p>
             <a:fld id="{27E64BD6-8A7C-478B-A3BB-E923DAEAA90C}" type="datetimeFigureOut">
               <a:rPr lang="ko-KR" altLang="en-US" smtClean="0"/>
-              <a:t>2025-05-04</a:t>
+              <a:t>2025-05-07</a:t>
             </a:fld>
             <a:endParaRPr lang="ko-KR" altLang="en-US"/>
           </a:p>
@@ -2129,7 +2130,7 @@
           <a:p>
             <a:fld id="{27E64BD6-8A7C-478B-A3BB-E923DAEAA90C}" type="datetimeFigureOut">
               <a:rPr lang="ko-KR" altLang="en-US" smtClean="0"/>
-              <a:t>2025-05-04</a:t>
+              <a:t>2025-05-07</a:t>
             </a:fld>
             <a:endParaRPr lang="ko-KR" altLang="en-US"/>
           </a:p>
@@ -2380,7 +2381,7 @@
           <a:p>
             <a:fld id="{27E64BD6-8A7C-478B-A3BB-E923DAEAA90C}" type="datetimeFigureOut">
               <a:rPr lang="ko-KR" altLang="en-US" smtClean="0"/>
-              <a:t>2025-05-04</a:t>
+              <a:t>2025-05-07</a:t>
             </a:fld>
             <a:endParaRPr lang="ko-KR" altLang="en-US"/>
           </a:p>
@@ -2825,7 +2826,7 @@
           <a:p>
             <a:fld id="{27E64BD6-8A7C-478B-A3BB-E923DAEAA90C}" type="datetimeFigureOut">
               <a:rPr lang="ko-KR" altLang="en-US" smtClean="0"/>
-              <a:t>2025-05-04</a:t>
+              <a:t>2025-05-07</a:t>
             </a:fld>
             <a:endParaRPr lang="ko-KR" altLang="en-US"/>
           </a:p>
@@ -3154,7 +3155,7 @@
             <a:fld id="{27E64BD6-8A7C-478B-A3BB-E923DAEAA90C}" type="datetimeFigureOut">
               <a:rPr lang="ko-KR" altLang="en-US" smtClean="0"/>
               <a:pPr/>
-              <a:t>2025-05-04</a:t>
+              <a:t>2025-05-07</a:t>
             </a:fld>
             <a:endParaRPr lang="ko-KR" altLang="en-US" dirty="0"/>
           </a:p>
@@ -3721,6 +3722,711 @@
         <p:cNvPr id="1" name="">
           <a:extLst>
             <a:ext uri="{FF2B5EF4-FFF2-40B4-BE49-F238E27FC236}">
+              <a16:creationId xmlns:a16="http://schemas.microsoft.com/office/drawing/2014/main" id="{11960CCC-1694-6837-8F89-72A97D5C3E5D}"/>
+            </a:ext>
+          </a:extLst>
+        </p:cNvPr>
+        <p:cNvGrpSpPr/>
+        <p:nvPr/>
+      </p:nvGrpSpPr>
+      <p:grpSpPr>
+        <a:xfrm>
+          <a:off x="0" y="0"/>
+          <a:ext cx="0" cy="0"/>
+          <a:chOff x="0" y="0"/>
+          <a:chExt cx="0" cy="0"/>
+        </a:xfrm>
+      </p:grpSpPr>
+      <p:sp>
+        <p:nvSpPr>
+          <p:cNvPr id="2" name="제목 1">
+            <a:extLst>
+              <a:ext uri="{FF2B5EF4-FFF2-40B4-BE49-F238E27FC236}">
+                <a16:creationId xmlns:a16="http://schemas.microsoft.com/office/drawing/2014/main" id="{7EABF992-94F2-1FBA-18BC-985B5546B5F3}"/>
+              </a:ext>
+            </a:extLst>
+          </p:cNvPr>
+          <p:cNvSpPr>
+            <a:spLocks noGrp="1"/>
+          </p:cNvSpPr>
+          <p:nvPr>
+            <p:ph type="title"/>
+          </p:nvPr>
+        </p:nvSpPr>
+        <p:spPr/>
+        <p:txBody>
+          <a:bodyPr/>
+          <a:lstStyle/>
+          <a:p>
+            <a:r>
+              <a:rPr lang="ko-KR" altLang="en-US" dirty="0"/>
+              <a:t>아이디어 검토 </a:t>
+            </a:r>
+            <a:r>
+              <a:rPr lang="en-US" altLang="ko-KR" dirty="0"/>
+              <a:t>1 [ 2 / 2 ]</a:t>
+            </a:r>
+            <a:endParaRPr lang="ko-KR" altLang="en-US" dirty="0"/>
+          </a:p>
+        </p:txBody>
+      </p:sp>
+      <p:sp>
+        <p:nvSpPr>
+          <p:cNvPr id="3" name="내용 개체 틀 2">
+            <a:extLst>
+              <a:ext uri="{FF2B5EF4-FFF2-40B4-BE49-F238E27FC236}">
+                <a16:creationId xmlns:a16="http://schemas.microsoft.com/office/drawing/2014/main" id="{63A135DF-0AF9-7698-D846-BBD89FC59057}"/>
+              </a:ext>
+            </a:extLst>
+          </p:cNvPr>
+          <p:cNvSpPr>
+            <a:spLocks noGrp="1"/>
+          </p:cNvSpPr>
+          <p:nvPr>
+            <p:ph idx="1"/>
+          </p:nvPr>
+        </p:nvSpPr>
+        <p:spPr/>
+        <p:txBody>
+          <a:bodyPr/>
+          <a:lstStyle/>
+          <a:p>
+            <a:r>
+              <a:rPr lang="ko-KR" altLang="en-US" dirty="0"/>
+              <a:t>이렇게 처리하면 </a:t>
+            </a:r>
+            <a:r>
+              <a:rPr lang="en-US" altLang="ko-KR" dirty="0"/>
+              <a:t>[1~4</a:t>
+            </a:r>
+            <a:r>
+              <a:rPr lang="ko-KR" altLang="en-US" dirty="0"/>
+              <a:t>번 게이트</a:t>
+            </a:r>
+            <a:r>
+              <a:rPr lang="en-US" altLang="ko-KR" dirty="0"/>
+              <a:t>]</a:t>
+            </a:r>
+            <a:r>
+              <a:rPr lang="ko-KR" altLang="en-US" dirty="0"/>
+              <a:t>로만 접근하면 되기에</a:t>
+            </a:r>
+            <a:br>
+              <a:rPr lang="en-US" altLang="ko-KR" dirty="0"/>
+            </a:br>
+            <a:r>
+              <a:rPr lang="ko-KR" altLang="en-US" dirty="0"/>
+              <a:t>각 게이트를 순회하며 공간이 있는지</a:t>
+            </a:r>
+            <a:r>
+              <a:rPr lang="en-US" altLang="ko-KR" dirty="0"/>
+              <a:t> </a:t>
+            </a:r>
+            <a:r>
+              <a:rPr lang="ko-KR" altLang="en-US" dirty="0"/>
+              <a:t>파악할 필요가 없어짐</a:t>
+            </a:r>
+            <a:r>
+              <a:rPr lang="en-US" altLang="ko-KR" dirty="0"/>
+              <a:t>. </a:t>
+            </a:r>
+          </a:p>
+          <a:p>
+            <a:r>
+              <a:rPr lang="en-US" altLang="ko-KR" dirty="0"/>
+              <a:t>Res = 4</a:t>
+            </a:r>
+          </a:p>
+        </p:txBody>
+      </p:sp>
+      <p:grpSp>
+        <p:nvGrpSpPr>
+          <p:cNvPr id="8" name="그룹 7">
+            <a:extLst>
+              <a:ext uri="{FF2B5EF4-FFF2-40B4-BE49-F238E27FC236}">
+                <a16:creationId xmlns:a16="http://schemas.microsoft.com/office/drawing/2014/main" id="{3096CB92-FBEA-A9FF-57FC-5CF3EF9F370C}"/>
+              </a:ext>
+            </a:extLst>
+          </p:cNvPr>
+          <p:cNvGrpSpPr/>
+          <p:nvPr/>
+        </p:nvGrpSpPr>
+        <p:grpSpPr>
+          <a:xfrm>
+            <a:off x="1859474" y="3718331"/>
+            <a:ext cx="5420443" cy="1108609"/>
+            <a:chOff x="1780248" y="3487667"/>
+            <a:chExt cx="5420443" cy="1108609"/>
+          </a:xfrm>
+        </p:grpSpPr>
+        <p:sp>
+          <p:nvSpPr>
+            <p:cNvPr id="4" name="타원 3">
+              <a:extLst>
+                <a:ext uri="{FF2B5EF4-FFF2-40B4-BE49-F238E27FC236}">
+                  <a16:creationId xmlns:a16="http://schemas.microsoft.com/office/drawing/2014/main" id="{8F288DA7-8E6F-6CBF-18B4-8CCA26EC6EF4}"/>
+                </a:ext>
+              </a:extLst>
+            </p:cNvPr>
+            <p:cNvSpPr/>
+            <p:nvPr/>
+          </p:nvSpPr>
+          <p:spPr>
+            <a:xfrm>
+              <a:off x="1780248" y="3487667"/>
+              <a:ext cx="1108609" cy="1108609"/>
+            </a:xfrm>
+            <a:prstGeom prst="ellipse">
+              <a:avLst/>
+            </a:prstGeom>
+          </p:spPr>
+          <p:style>
+            <a:lnRef idx="2">
+              <a:schemeClr val="accent1">
+                <a:shade val="15000"/>
+              </a:schemeClr>
+            </a:lnRef>
+            <a:fillRef idx="1">
+              <a:schemeClr val="accent1"/>
+            </a:fillRef>
+            <a:effectRef idx="0">
+              <a:schemeClr val="accent1"/>
+            </a:effectRef>
+            <a:fontRef idx="minor">
+              <a:schemeClr val="lt1"/>
+            </a:fontRef>
+          </p:style>
+          <p:txBody>
+            <a:bodyPr rtlCol="0" anchor="ctr"/>
+            <a:lstStyle/>
+            <a:p>
+              <a:pPr algn="ctr"/>
+              <a:r>
+                <a:rPr lang="en-US" altLang="ko-KR" dirty="0">
+                  <a:latin typeface="맑은 고딕" panose="020B0503020000020004" pitchFamily="50" charset="-127"/>
+                </a:rPr>
+                <a:t>Gate1</a:t>
+              </a:r>
+              <a:endParaRPr lang="ko-KR" altLang="en-US" dirty="0">
+                <a:latin typeface="맑은 고딕" panose="020B0503020000020004" pitchFamily="50" charset="-127"/>
+              </a:endParaRPr>
+            </a:p>
+          </p:txBody>
+        </p:sp>
+        <p:sp>
+          <p:nvSpPr>
+            <p:cNvPr id="5" name="타원 4">
+              <a:extLst>
+                <a:ext uri="{FF2B5EF4-FFF2-40B4-BE49-F238E27FC236}">
+                  <a16:creationId xmlns:a16="http://schemas.microsoft.com/office/drawing/2014/main" id="{25B981A5-B611-286C-1064-2F5FECBA4922}"/>
+                </a:ext>
+              </a:extLst>
+            </p:cNvPr>
+            <p:cNvSpPr/>
+            <p:nvPr/>
+          </p:nvSpPr>
+          <p:spPr>
+            <a:xfrm>
+              <a:off x="3217526" y="3487667"/>
+              <a:ext cx="1108609" cy="1108609"/>
+            </a:xfrm>
+            <a:prstGeom prst="ellipse">
+              <a:avLst/>
+            </a:prstGeom>
+          </p:spPr>
+          <p:style>
+            <a:lnRef idx="2">
+              <a:schemeClr val="accent1">
+                <a:shade val="15000"/>
+              </a:schemeClr>
+            </a:lnRef>
+            <a:fillRef idx="1">
+              <a:schemeClr val="accent1"/>
+            </a:fillRef>
+            <a:effectRef idx="0">
+              <a:schemeClr val="accent1"/>
+            </a:effectRef>
+            <a:fontRef idx="minor">
+              <a:schemeClr val="lt1"/>
+            </a:fontRef>
+          </p:style>
+          <p:txBody>
+            <a:bodyPr rtlCol="0" anchor="ctr"/>
+            <a:lstStyle/>
+            <a:p>
+              <a:pPr algn="ctr"/>
+              <a:r>
+                <a:rPr lang="en-US" altLang="ko-KR" dirty="0">
+                  <a:latin typeface="맑은 고딕" panose="020B0503020000020004" pitchFamily="50" charset="-127"/>
+                </a:rPr>
+                <a:t>Gate2</a:t>
+              </a:r>
+              <a:endParaRPr lang="ko-KR" altLang="en-US" dirty="0">
+                <a:latin typeface="맑은 고딕" panose="020B0503020000020004" pitchFamily="50" charset="-127"/>
+              </a:endParaRPr>
+            </a:p>
+          </p:txBody>
+        </p:sp>
+        <p:sp>
+          <p:nvSpPr>
+            <p:cNvPr id="6" name="타원 5">
+              <a:extLst>
+                <a:ext uri="{FF2B5EF4-FFF2-40B4-BE49-F238E27FC236}">
+                  <a16:creationId xmlns:a16="http://schemas.microsoft.com/office/drawing/2014/main" id="{1D2A0DC2-CA97-3467-8B49-63F647B6D55A}"/>
+                </a:ext>
+              </a:extLst>
+            </p:cNvPr>
+            <p:cNvSpPr/>
+            <p:nvPr/>
+          </p:nvSpPr>
+          <p:spPr>
+            <a:xfrm>
+              <a:off x="4654804" y="3487667"/>
+              <a:ext cx="1108609" cy="1108609"/>
+            </a:xfrm>
+            <a:prstGeom prst="ellipse">
+              <a:avLst/>
+            </a:prstGeom>
+          </p:spPr>
+          <p:style>
+            <a:lnRef idx="2">
+              <a:schemeClr val="accent1">
+                <a:shade val="15000"/>
+              </a:schemeClr>
+            </a:lnRef>
+            <a:fillRef idx="1">
+              <a:schemeClr val="accent1"/>
+            </a:fillRef>
+            <a:effectRef idx="0">
+              <a:schemeClr val="accent1"/>
+            </a:effectRef>
+            <a:fontRef idx="minor">
+              <a:schemeClr val="lt1"/>
+            </a:fontRef>
+          </p:style>
+          <p:txBody>
+            <a:bodyPr rtlCol="0" anchor="ctr"/>
+            <a:lstStyle/>
+            <a:p>
+              <a:pPr algn="ctr"/>
+              <a:r>
+                <a:rPr lang="en-US" altLang="ko-KR" dirty="0">
+                  <a:latin typeface="맑은 고딕" panose="020B0503020000020004" pitchFamily="50" charset="-127"/>
+                </a:rPr>
+                <a:t>Gate3</a:t>
+              </a:r>
+              <a:endParaRPr lang="ko-KR" altLang="en-US" dirty="0">
+                <a:latin typeface="맑은 고딕" panose="020B0503020000020004" pitchFamily="50" charset="-127"/>
+              </a:endParaRPr>
+            </a:p>
+          </p:txBody>
+        </p:sp>
+        <p:sp>
+          <p:nvSpPr>
+            <p:cNvPr id="7" name="타원 6">
+              <a:extLst>
+                <a:ext uri="{FF2B5EF4-FFF2-40B4-BE49-F238E27FC236}">
+                  <a16:creationId xmlns:a16="http://schemas.microsoft.com/office/drawing/2014/main" id="{9B482B3D-E7AA-9FB2-EA81-88C34D9687C5}"/>
+                </a:ext>
+              </a:extLst>
+            </p:cNvPr>
+            <p:cNvSpPr/>
+            <p:nvPr/>
+          </p:nvSpPr>
+          <p:spPr>
+            <a:xfrm>
+              <a:off x="6092082" y="3487667"/>
+              <a:ext cx="1108609" cy="1108609"/>
+            </a:xfrm>
+            <a:prstGeom prst="ellipse">
+              <a:avLst/>
+            </a:prstGeom>
+          </p:spPr>
+          <p:style>
+            <a:lnRef idx="2">
+              <a:schemeClr val="accent1">
+                <a:shade val="15000"/>
+              </a:schemeClr>
+            </a:lnRef>
+            <a:fillRef idx="1">
+              <a:schemeClr val="accent1"/>
+            </a:fillRef>
+            <a:effectRef idx="0">
+              <a:schemeClr val="accent1"/>
+            </a:effectRef>
+            <a:fontRef idx="minor">
+              <a:schemeClr val="lt1"/>
+            </a:fontRef>
+          </p:style>
+          <p:txBody>
+            <a:bodyPr rtlCol="0" anchor="ctr"/>
+            <a:lstStyle/>
+            <a:p>
+              <a:pPr algn="ctr"/>
+              <a:r>
+                <a:rPr lang="en-US" altLang="ko-KR" dirty="0">
+                  <a:latin typeface="맑은 고딕" panose="020B0503020000020004" pitchFamily="50" charset="-127"/>
+                </a:rPr>
+                <a:t>Gate4</a:t>
+              </a:r>
+              <a:endParaRPr lang="ko-KR" altLang="en-US" dirty="0">
+                <a:latin typeface="맑은 고딕" panose="020B0503020000020004" pitchFamily="50" charset="-127"/>
+              </a:endParaRPr>
+            </a:p>
+          </p:txBody>
+        </p:sp>
+      </p:grpSp>
+      <p:sp>
+        <p:nvSpPr>
+          <p:cNvPr id="15" name="직사각형 14">
+            <a:extLst>
+              <a:ext uri="{FF2B5EF4-FFF2-40B4-BE49-F238E27FC236}">
+                <a16:creationId xmlns:a16="http://schemas.microsoft.com/office/drawing/2014/main" id="{3C8F4241-5535-F3A3-3C43-C9535F83ACAB}"/>
+              </a:ext>
+            </a:extLst>
+          </p:cNvPr>
+          <p:cNvSpPr/>
+          <p:nvPr/>
+        </p:nvSpPr>
+        <p:spPr>
+          <a:xfrm>
+            <a:off x="1605324" y="3596950"/>
+            <a:ext cx="5823163" cy="1351370"/>
+          </a:xfrm>
+          <a:prstGeom prst="rect">
+            <a:avLst/>
+          </a:prstGeom>
+          <a:noFill/>
+          <a:ln w="38100">
+            <a:solidFill>
+              <a:schemeClr val="accent3"/>
+            </a:solidFill>
+          </a:ln>
+        </p:spPr>
+        <p:style>
+          <a:lnRef idx="2">
+            <a:schemeClr val="accent1">
+              <a:shade val="15000"/>
+            </a:schemeClr>
+          </a:lnRef>
+          <a:fillRef idx="1">
+            <a:schemeClr val="accent1"/>
+          </a:fillRef>
+          <a:effectRef idx="0">
+            <a:schemeClr val="accent1"/>
+          </a:effectRef>
+          <a:fontRef idx="minor">
+            <a:schemeClr val="lt1"/>
+          </a:fontRef>
+        </p:style>
+        <p:txBody>
+          <a:bodyPr rtlCol="0" anchor="ctr"/>
+          <a:lstStyle/>
+          <a:p>
+            <a:pPr algn="ctr"/>
+            <a:endParaRPr lang="ko-KR" altLang="en-US" dirty="0">
+              <a:latin typeface="맑은 고딕" panose="020B0503020000020004" pitchFamily="50" charset="-127"/>
+            </a:endParaRPr>
+          </a:p>
+        </p:txBody>
+      </p:sp>
+      <p:sp>
+        <p:nvSpPr>
+          <p:cNvPr id="9" name="직사각형 8">
+            <a:extLst>
+              <a:ext uri="{FF2B5EF4-FFF2-40B4-BE49-F238E27FC236}">
+                <a16:creationId xmlns:a16="http://schemas.microsoft.com/office/drawing/2014/main" id="{856D7A23-C1BE-5BF8-4316-8D66DACFFB6C}"/>
+              </a:ext>
+            </a:extLst>
+          </p:cNvPr>
+          <p:cNvSpPr/>
+          <p:nvPr/>
+        </p:nvSpPr>
+        <p:spPr>
+          <a:xfrm>
+            <a:off x="4110943" y="5045423"/>
+            <a:ext cx="623087" cy="436970"/>
+          </a:xfrm>
+          <a:prstGeom prst="rect">
+            <a:avLst/>
+          </a:prstGeom>
+          <a:solidFill>
+            <a:schemeClr val="accent3"/>
+          </a:solidFill>
+          <a:ln>
+            <a:noFill/>
+          </a:ln>
+        </p:spPr>
+        <p:style>
+          <a:lnRef idx="2">
+            <a:schemeClr val="accent1">
+              <a:shade val="15000"/>
+            </a:schemeClr>
+          </a:lnRef>
+          <a:fillRef idx="1">
+            <a:schemeClr val="accent1"/>
+          </a:fillRef>
+          <a:effectRef idx="0">
+            <a:schemeClr val="accent1"/>
+          </a:effectRef>
+          <a:fontRef idx="minor">
+            <a:schemeClr val="lt1"/>
+          </a:fontRef>
+        </p:style>
+        <p:txBody>
+          <a:bodyPr rtlCol="0" anchor="ctr"/>
+          <a:lstStyle/>
+          <a:p>
+            <a:pPr algn="ctr"/>
+            <a:r>
+              <a:rPr lang="en-US" altLang="ko-KR" dirty="0">
+                <a:latin typeface="맑은 고딕" panose="020B0503020000020004" pitchFamily="50" charset="-127"/>
+              </a:rPr>
+              <a:t>4</a:t>
+            </a:r>
+            <a:endParaRPr lang="ko-KR" altLang="en-US" dirty="0">
+              <a:latin typeface="맑은 고딕" panose="020B0503020000020004" pitchFamily="50" charset="-127"/>
+            </a:endParaRPr>
+          </a:p>
+        </p:txBody>
+      </p:sp>
+      <p:pic>
+        <p:nvPicPr>
+          <p:cNvPr id="10" name="그래픽 9" descr="비행기 단색으로 채워진">
+            <a:extLst>
+              <a:ext uri="{FF2B5EF4-FFF2-40B4-BE49-F238E27FC236}">
+                <a16:creationId xmlns:a16="http://schemas.microsoft.com/office/drawing/2014/main" id="{E4336550-12C1-7055-248D-6415D31AA20F}"/>
+              </a:ext>
+            </a:extLst>
+          </p:cNvPr>
+          <p:cNvPicPr>
+            <a:picLocks noChangeAspect="1"/>
+          </p:cNvPicPr>
+          <p:nvPr/>
+        </p:nvPicPr>
+        <p:blipFill>
+          <a:blip r:embed="rId2">
+            <a:extLst>
+              <a:ext uri="{96DAC541-7B7A-43D3-8B79-37D633B846F1}">
+                <asvg:svgBlip xmlns:asvg="http://schemas.microsoft.com/office/drawing/2016/SVG/main" r:embed="rId3"/>
+              </a:ext>
+            </a:extLst>
+          </a:blip>
+          <a:stretch>
+            <a:fillRect/>
+          </a:stretch>
+        </p:blipFill>
+        <p:spPr>
+          <a:xfrm>
+            <a:off x="3431212" y="5086087"/>
+            <a:ext cx="914400" cy="914400"/>
+          </a:xfrm>
+          <a:prstGeom prst="rect">
+            <a:avLst/>
+          </a:prstGeom>
+        </p:spPr>
+      </p:pic>
+      <p:pic>
+        <p:nvPicPr>
+          <p:cNvPr id="11" name="그래픽 10" descr="비행기 단색으로 채워진">
+            <a:extLst>
+              <a:ext uri="{FF2B5EF4-FFF2-40B4-BE49-F238E27FC236}">
+                <a16:creationId xmlns:a16="http://schemas.microsoft.com/office/drawing/2014/main" id="{11D7D2A3-C982-EAC5-8857-5CBD0F7D3A77}"/>
+              </a:ext>
+            </a:extLst>
+          </p:cNvPr>
+          <p:cNvPicPr>
+            <a:picLocks noChangeAspect="1"/>
+          </p:cNvPicPr>
+          <p:nvPr/>
+        </p:nvPicPr>
+        <p:blipFill>
+          <a:blip r:embed="rId2">
+            <a:extLst>
+              <a:ext uri="{96DAC541-7B7A-43D3-8B79-37D633B846F1}">
+                <asvg:svgBlip xmlns:asvg="http://schemas.microsoft.com/office/drawing/2016/SVG/main" r:embed="rId3"/>
+              </a:ext>
+            </a:extLst>
+          </a:blip>
+          <a:stretch>
+            <a:fillRect/>
+          </a:stretch>
+        </p:blipFill>
+        <p:spPr>
+          <a:xfrm>
+            <a:off x="4467182" y="5090479"/>
+            <a:ext cx="914400" cy="914400"/>
+          </a:xfrm>
+          <a:prstGeom prst="rect">
+            <a:avLst/>
+          </a:prstGeom>
+        </p:spPr>
+      </p:pic>
+      <p:pic>
+        <p:nvPicPr>
+          <p:cNvPr id="12" name="그래픽 11" descr="비행기 단색으로 채워진">
+            <a:extLst>
+              <a:ext uri="{FF2B5EF4-FFF2-40B4-BE49-F238E27FC236}">
+                <a16:creationId xmlns:a16="http://schemas.microsoft.com/office/drawing/2014/main" id="{14806C42-CA49-72D5-C86E-F8F33703208B}"/>
+              </a:ext>
+            </a:extLst>
+          </p:cNvPr>
+          <p:cNvPicPr>
+            <a:picLocks noChangeAspect="1"/>
+          </p:cNvPicPr>
+          <p:nvPr/>
+        </p:nvPicPr>
+        <p:blipFill>
+          <a:blip r:embed="rId2">
+            <a:extLst>
+              <a:ext uri="{96DAC541-7B7A-43D3-8B79-37D633B846F1}">
+                <asvg:svgBlip xmlns:asvg="http://schemas.microsoft.com/office/drawing/2016/SVG/main" r:embed="rId3"/>
+              </a:ext>
+            </a:extLst>
+          </a:blip>
+          <a:stretch>
+            <a:fillRect/>
+          </a:stretch>
+        </p:blipFill>
+        <p:spPr>
+          <a:xfrm>
+            <a:off x="2663927" y="5086087"/>
+            <a:ext cx="914400" cy="914400"/>
+          </a:xfrm>
+          <a:prstGeom prst="rect">
+            <a:avLst/>
+          </a:prstGeom>
+        </p:spPr>
+      </p:pic>
+      <p:pic>
+        <p:nvPicPr>
+          <p:cNvPr id="13" name="그래픽 12" descr="비행기 단색으로 채워진">
+            <a:extLst>
+              <a:ext uri="{FF2B5EF4-FFF2-40B4-BE49-F238E27FC236}">
+                <a16:creationId xmlns:a16="http://schemas.microsoft.com/office/drawing/2014/main" id="{CA3D4FF9-247C-E2FF-5E88-A9107506854B}"/>
+              </a:ext>
+            </a:extLst>
+          </p:cNvPr>
+          <p:cNvPicPr>
+            <a:picLocks noChangeAspect="1"/>
+          </p:cNvPicPr>
+          <p:nvPr/>
+        </p:nvPicPr>
+        <p:blipFill>
+          <a:blip r:embed="rId2">
+            <a:extLst>
+              <a:ext uri="{96DAC541-7B7A-43D3-8B79-37D633B846F1}">
+                <asvg:svgBlip xmlns:asvg="http://schemas.microsoft.com/office/drawing/2016/SVG/main" r:embed="rId3"/>
+              </a:ext>
+            </a:extLst>
+          </a:blip>
+          <a:stretch>
+            <a:fillRect/>
+          </a:stretch>
+        </p:blipFill>
+        <p:spPr>
+          <a:xfrm>
+            <a:off x="5210380" y="5086087"/>
+            <a:ext cx="914400" cy="914400"/>
+          </a:xfrm>
+          <a:prstGeom prst="rect">
+            <a:avLst/>
+          </a:prstGeom>
+        </p:spPr>
+      </p:pic>
+      <p:pic>
+        <p:nvPicPr>
+          <p:cNvPr id="14" name="그래픽 13" descr="비행기 단색으로 채워진">
+            <a:extLst>
+              <a:ext uri="{FF2B5EF4-FFF2-40B4-BE49-F238E27FC236}">
+                <a16:creationId xmlns:a16="http://schemas.microsoft.com/office/drawing/2014/main" id="{CCE73943-5953-7355-D6A7-5470B572AB04}"/>
+              </a:ext>
+            </a:extLst>
+          </p:cNvPr>
+          <p:cNvPicPr>
+            <a:picLocks noChangeAspect="1"/>
+          </p:cNvPicPr>
+          <p:nvPr/>
+        </p:nvPicPr>
+        <p:blipFill>
+          <a:blip r:embed="rId2">
+            <a:extLst>
+              <a:ext uri="{96DAC541-7B7A-43D3-8B79-37D633B846F1}">
+                <asvg:svgBlip xmlns:asvg="http://schemas.microsoft.com/office/drawing/2016/SVG/main" r:embed="rId3"/>
+              </a:ext>
+            </a:extLst>
+          </a:blip>
+          <a:stretch>
+            <a:fillRect/>
+          </a:stretch>
+        </p:blipFill>
+        <p:spPr>
+          <a:xfrm rot="16200000">
+            <a:off x="8784470" y="4135244"/>
+            <a:ext cx="914400" cy="914400"/>
+          </a:xfrm>
+          <a:prstGeom prst="rect">
+            <a:avLst/>
+          </a:prstGeom>
+        </p:spPr>
+      </p:pic>
+      <p:pic>
+        <p:nvPicPr>
+          <p:cNvPr id="16" name="그래픽 15" descr="비행기 단색으로 채워진">
+            <a:extLst>
+              <a:ext uri="{FF2B5EF4-FFF2-40B4-BE49-F238E27FC236}">
+                <a16:creationId xmlns:a16="http://schemas.microsoft.com/office/drawing/2014/main" id="{6B102052-1F28-89A8-9807-D16EC494475A}"/>
+              </a:ext>
+            </a:extLst>
+          </p:cNvPr>
+          <p:cNvPicPr>
+            <a:picLocks noChangeAspect="1"/>
+          </p:cNvPicPr>
+          <p:nvPr/>
+        </p:nvPicPr>
+        <p:blipFill>
+          <a:blip r:embed="rId2">
+            <a:extLst>
+              <a:ext uri="{96DAC541-7B7A-43D3-8B79-37D633B846F1}">
+                <asvg:svgBlip xmlns:asvg="http://schemas.microsoft.com/office/drawing/2016/SVG/main" r:embed="rId3"/>
+              </a:ext>
+            </a:extLst>
+          </a:blip>
+          <a:stretch>
+            <a:fillRect/>
+          </a:stretch>
+        </p:blipFill>
+        <p:spPr>
+          <a:xfrm rot="16200000">
+            <a:off x="8784470" y="4883967"/>
+            <a:ext cx="914400" cy="914400"/>
+          </a:xfrm>
+          <a:prstGeom prst="rect">
+            <a:avLst/>
+          </a:prstGeom>
+        </p:spPr>
+      </p:pic>
+    </p:spTree>
+    <p:extLst>
+      <p:ext uri="{BB962C8B-B14F-4D97-AF65-F5344CB8AC3E}">
+        <p14:creationId xmlns:p14="http://schemas.microsoft.com/office/powerpoint/2010/main" val="3325350452"/>
+      </p:ext>
+    </p:extLst>
+  </p:cSld>
+  <p:clrMapOvr>
+    <a:masterClrMapping/>
+  </p:clrMapOvr>
+</p:sld>
+</file>
+
+<file path=ppt/slides/slide11.xml><?xml version="1.0" encoding="utf-8"?>
+<p:sld xmlns:a="http://schemas.openxmlformats.org/drawingml/2006/main" xmlns:r="http://schemas.openxmlformats.org/officeDocument/2006/relationships" xmlns:p="http://schemas.openxmlformats.org/presentationml/2006/main">
+  <p:cSld>
+    <p:spTree>
+      <p:nvGrpSpPr>
+        <p:cNvPr id="1" name="">
+          <a:extLst>
+            <a:ext uri="{FF2B5EF4-FFF2-40B4-BE49-F238E27FC236}">
               <a16:creationId xmlns:a16="http://schemas.microsoft.com/office/drawing/2014/main" id="{E6EBE8DD-4392-6997-2C89-7E4B4A4165FF}"/>
             </a:ext>
           </a:extLst>
@@ -3763,7 +4469,7 @@
             </a:r>
             <a:r>
               <a:rPr lang="en-US" altLang="ko-KR" dirty="0"/>
-              <a:t>2 [ 1 / 4 ]</a:t>
+              <a:t>2 [ 1 / 5 ]</a:t>
             </a:r>
             <a:endParaRPr lang="ko-KR" altLang="en-US" dirty="0"/>
           </a:p>
@@ -4303,7 +5009,7 @@
 </p:sld>
 </file>
 
-<file path=ppt/slides/slide11.xml><?xml version="1.0" encoding="utf-8"?>
+<file path=ppt/slides/slide12.xml><?xml version="1.0" encoding="utf-8"?>
 <p:sld xmlns:a="http://schemas.openxmlformats.org/drawingml/2006/main" xmlns:r="http://schemas.openxmlformats.org/officeDocument/2006/relationships" xmlns:p="http://schemas.openxmlformats.org/presentationml/2006/main">
   <p:cSld>
     <p:spTree>
@@ -4951,7 +5657,7 @@
 </p:sld>
 </file>
 
-<file path=ppt/slides/slide12.xml><?xml version="1.0" encoding="utf-8"?>
+<file path=ppt/slides/slide13.xml><?xml version="1.0" encoding="utf-8"?>
 <p:sld xmlns:a="http://schemas.openxmlformats.org/drawingml/2006/main" xmlns:r="http://schemas.openxmlformats.org/officeDocument/2006/relationships" xmlns:p="http://schemas.openxmlformats.org/presentationml/2006/main">
   <p:cSld>
     <p:spTree>
@@ -5680,7 +6386,7 @@
 </p:sld>
 </file>
 
-<file path=ppt/slides/slide13.xml><?xml version="1.0" encoding="utf-8"?>
+<file path=ppt/slides/slide14.xml><?xml version="1.0" encoding="utf-8"?>
 <p:sld xmlns:a="http://schemas.openxmlformats.org/drawingml/2006/main" xmlns:r="http://schemas.openxmlformats.org/officeDocument/2006/relationships" xmlns:p="http://schemas.openxmlformats.org/presentationml/2006/main">
   <p:cSld>
     <p:spTree>
@@ -6472,7 +7178,7 @@
 </p:sld>
 </file>
 
-<file path=ppt/slides/slide14.xml><?xml version="1.0" encoding="utf-8"?>
+<file path=ppt/slides/slide15.xml><?xml version="1.0" encoding="utf-8"?>
 <p:sld xmlns:a="http://schemas.openxmlformats.org/drawingml/2006/main" xmlns:r="http://schemas.openxmlformats.org/officeDocument/2006/relationships" xmlns:p="http://schemas.openxmlformats.org/presentationml/2006/main">
   <p:cSld>
     <p:spTree>
@@ -10403,6 +11109,110 @@
   <p:cSld>
     <p:spTree>
       <p:nvGrpSpPr>
+        <p:cNvPr id="1" name=""/>
+        <p:cNvGrpSpPr/>
+        <p:nvPr/>
+      </p:nvGrpSpPr>
+      <p:grpSpPr>
+        <a:xfrm>
+          <a:off x="0" y="0"/>
+          <a:ext cx="0" cy="0"/>
+          <a:chOff x="0" y="0"/>
+          <a:chExt cx="0" cy="0"/>
+        </a:xfrm>
+      </p:grpSpPr>
+      <p:pic>
+        <p:nvPicPr>
+          <p:cNvPr id="5" name="그림 4">
+            <a:extLst>
+              <a:ext uri="{FF2B5EF4-FFF2-40B4-BE49-F238E27FC236}">
+                <a16:creationId xmlns:a16="http://schemas.microsoft.com/office/drawing/2014/main" id="{EABB57FC-9A2E-9E8A-2419-7181C1069D4B}"/>
+              </a:ext>
+            </a:extLst>
+          </p:cNvPr>
+          <p:cNvPicPr>
+            <a:picLocks noChangeAspect="1"/>
+          </p:cNvPicPr>
+          <p:nvPr/>
+        </p:nvPicPr>
+        <p:blipFill>
+          <a:blip r:embed="rId2">
+            <a:extLst>
+              <a:ext uri="{28A0092B-C50C-407E-A947-70E740481C1C}">
+                <a14:useLocalDpi xmlns:a14="http://schemas.microsoft.com/office/drawing/2010/main" val="0"/>
+              </a:ext>
+            </a:extLst>
+          </a:blip>
+          <a:stretch>
+            <a:fillRect/>
+          </a:stretch>
+        </p:blipFill>
+        <p:spPr>
+          <a:xfrm>
+            <a:off x="3230579" y="2037029"/>
+            <a:ext cx="4984222" cy="3748135"/>
+          </a:xfrm>
+          <a:prstGeom prst="rect">
+            <a:avLst/>
+          </a:prstGeom>
+        </p:spPr>
+      </p:pic>
+      <p:sp>
+        <p:nvSpPr>
+          <p:cNvPr id="6" name="제목 1">
+            <a:extLst>
+              <a:ext uri="{FF2B5EF4-FFF2-40B4-BE49-F238E27FC236}">
+                <a16:creationId xmlns:a16="http://schemas.microsoft.com/office/drawing/2014/main" id="{4215E515-1678-4D4F-E97F-874A7E6D9AFA}"/>
+              </a:ext>
+            </a:extLst>
+          </p:cNvPr>
+          <p:cNvSpPr>
+            <a:spLocks noGrp="1"/>
+          </p:cNvSpPr>
+          <p:nvPr>
+            <p:ph type="title"/>
+          </p:nvPr>
+        </p:nvSpPr>
+        <p:spPr>
+          <a:xfrm>
+            <a:off x="1451579" y="804519"/>
+            <a:ext cx="9603275" cy="1049235"/>
+          </a:xfrm>
+        </p:spPr>
+        <p:txBody>
+          <a:bodyPr/>
+          <a:lstStyle/>
+          <a:p>
+            <a:r>
+              <a:rPr lang="ko-KR" altLang="en-US" dirty="0"/>
+              <a:t>감사합니다</a:t>
+            </a:r>
+            <a:r>
+              <a:rPr lang="en-US" altLang="ko-KR" dirty="0"/>
+              <a:t>.</a:t>
+            </a:r>
+            <a:endParaRPr lang="ko-KR" altLang="en-US" dirty="0"/>
+          </a:p>
+        </p:txBody>
+      </p:sp>
+    </p:spTree>
+    <p:extLst>
+      <p:ext uri="{BB962C8B-B14F-4D97-AF65-F5344CB8AC3E}">
+        <p14:creationId xmlns:p14="http://schemas.microsoft.com/office/powerpoint/2010/main" val="2149160850"/>
+      </p:ext>
+    </p:extLst>
+  </p:cSld>
+  <p:clrMapOvr>
+    <a:masterClrMapping/>
+  </p:clrMapOvr>
+</p:sld>
+</file>
+
+<file path=ppt/slides/slide9.xml><?xml version="1.0" encoding="utf-8"?>
+<p:sld xmlns:a="http://schemas.openxmlformats.org/drawingml/2006/main" xmlns:r="http://schemas.openxmlformats.org/officeDocument/2006/relationships" xmlns:p="http://schemas.openxmlformats.org/presentationml/2006/main">
+  <p:cSld>
+    <p:spTree>
+      <p:nvGrpSpPr>
         <p:cNvPr id="1" name="">
           <a:extLst>
             <a:ext uri="{FF2B5EF4-FFF2-40B4-BE49-F238E27FC236}">
@@ -10876,711 +11686,6 @@
     <p:extLst>
       <p:ext uri="{BB962C8B-B14F-4D97-AF65-F5344CB8AC3E}">
         <p14:creationId xmlns:p14="http://schemas.microsoft.com/office/powerpoint/2010/main" val="1795364056"/>
-      </p:ext>
-    </p:extLst>
-  </p:cSld>
-  <p:clrMapOvr>
-    <a:masterClrMapping/>
-  </p:clrMapOvr>
-</p:sld>
-</file>
-
-<file path=ppt/slides/slide9.xml><?xml version="1.0" encoding="utf-8"?>
-<p:sld xmlns:a="http://schemas.openxmlformats.org/drawingml/2006/main" xmlns:r="http://schemas.openxmlformats.org/officeDocument/2006/relationships" xmlns:p="http://schemas.openxmlformats.org/presentationml/2006/main">
-  <p:cSld>
-    <p:spTree>
-      <p:nvGrpSpPr>
-        <p:cNvPr id="1" name="">
-          <a:extLst>
-            <a:ext uri="{FF2B5EF4-FFF2-40B4-BE49-F238E27FC236}">
-              <a16:creationId xmlns:a16="http://schemas.microsoft.com/office/drawing/2014/main" id="{11960CCC-1694-6837-8F89-72A97D5C3E5D}"/>
-            </a:ext>
-          </a:extLst>
-        </p:cNvPr>
-        <p:cNvGrpSpPr/>
-        <p:nvPr/>
-      </p:nvGrpSpPr>
-      <p:grpSpPr>
-        <a:xfrm>
-          <a:off x="0" y="0"/>
-          <a:ext cx="0" cy="0"/>
-          <a:chOff x="0" y="0"/>
-          <a:chExt cx="0" cy="0"/>
-        </a:xfrm>
-      </p:grpSpPr>
-      <p:sp>
-        <p:nvSpPr>
-          <p:cNvPr id="2" name="제목 1">
-            <a:extLst>
-              <a:ext uri="{FF2B5EF4-FFF2-40B4-BE49-F238E27FC236}">
-                <a16:creationId xmlns:a16="http://schemas.microsoft.com/office/drawing/2014/main" id="{7EABF992-94F2-1FBA-18BC-985B5546B5F3}"/>
-              </a:ext>
-            </a:extLst>
-          </p:cNvPr>
-          <p:cNvSpPr>
-            <a:spLocks noGrp="1"/>
-          </p:cNvSpPr>
-          <p:nvPr>
-            <p:ph type="title"/>
-          </p:nvPr>
-        </p:nvSpPr>
-        <p:spPr/>
-        <p:txBody>
-          <a:bodyPr/>
-          <a:lstStyle/>
-          <a:p>
-            <a:r>
-              <a:rPr lang="ko-KR" altLang="en-US" dirty="0"/>
-              <a:t>아이디어 검토 </a:t>
-            </a:r>
-            <a:r>
-              <a:rPr lang="en-US" altLang="ko-KR" dirty="0"/>
-              <a:t>1 [ 2 / 2 ]</a:t>
-            </a:r>
-            <a:endParaRPr lang="ko-KR" altLang="en-US" dirty="0"/>
-          </a:p>
-        </p:txBody>
-      </p:sp>
-      <p:sp>
-        <p:nvSpPr>
-          <p:cNvPr id="3" name="내용 개체 틀 2">
-            <a:extLst>
-              <a:ext uri="{FF2B5EF4-FFF2-40B4-BE49-F238E27FC236}">
-                <a16:creationId xmlns:a16="http://schemas.microsoft.com/office/drawing/2014/main" id="{63A135DF-0AF9-7698-D846-BBD89FC59057}"/>
-              </a:ext>
-            </a:extLst>
-          </p:cNvPr>
-          <p:cNvSpPr>
-            <a:spLocks noGrp="1"/>
-          </p:cNvSpPr>
-          <p:nvPr>
-            <p:ph idx="1"/>
-          </p:nvPr>
-        </p:nvSpPr>
-        <p:spPr/>
-        <p:txBody>
-          <a:bodyPr/>
-          <a:lstStyle/>
-          <a:p>
-            <a:r>
-              <a:rPr lang="ko-KR" altLang="en-US" dirty="0"/>
-              <a:t>이렇게 처리하면 </a:t>
-            </a:r>
-            <a:r>
-              <a:rPr lang="en-US" altLang="ko-KR" dirty="0"/>
-              <a:t>[1~4</a:t>
-            </a:r>
-            <a:r>
-              <a:rPr lang="ko-KR" altLang="en-US" dirty="0"/>
-              <a:t>번 게이트</a:t>
-            </a:r>
-            <a:r>
-              <a:rPr lang="en-US" altLang="ko-KR" dirty="0"/>
-              <a:t>]</a:t>
-            </a:r>
-            <a:r>
-              <a:rPr lang="ko-KR" altLang="en-US" dirty="0"/>
-              <a:t>로만 접근하면 되기에</a:t>
-            </a:r>
-            <a:br>
-              <a:rPr lang="en-US" altLang="ko-KR" dirty="0"/>
-            </a:br>
-            <a:r>
-              <a:rPr lang="ko-KR" altLang="en-US" dirty="0"/>
-              <a:t>각 게이트를 순회하며 공간이 있는지</a:t>
-            </a:r>
-            <a:r>
-              <a:rPr lang="en-US" altLang="ko-KR" dirty="0"/>
-              <a:t> </a:t>
-            </a:r>
-            <a:r>
-              <a:rPr lang="ko-KR" altLang="en-US" dirty="0"/>
-              <a:t>파악할 필요가 없어짐</a:t>
-            </a:r>
-            <a:r>
-              <a:rPr lang="en-US" altLang="ko-KR" dirty="0"/>
-              <a:t>. </a:t>
-            </a:r>
-          </a:p>
-          <a:p>
-            <a:r>
-              <a:rPr lang="en-US" altLang="ko-KR" dirty="0"/>
-              <a:t>Res = 4</a:t>
-            </a:r>
-          </a:p>
-        </p:txBody>
-      </p:sp>
-      <p:grpSp>
-        <p:nvGrpSpPr>
-          <p:cNvPr id="8" name="그룹 7">
-            <a:extLst>
-              <a:ext uri="{FF2B5EF4-FFF2-40B4-BE49-F238E27FC236}">
-                <a16:creationId xmlns:a16="http://schemas.microsoft.com/office/drawing/2014/main" id="{3096CB92-FBEA-A9FF-57FC-5CF3EF9F370C}"/>
-              </a:ext>
-            </a:extLst>
-          </p:cNvPr>
-          <p:cNvGrpSpPr/>
-          <p:nvPr/>
-        </p:nvGrpSpPr>
-        <p:grpSpPr>
-          <a:xfrm>
-            <a:off x="1859474" y="3718331"/>
-            <a:ext cx="5420443" cy="1108609"/>
-            <a:chOff x="1780248" y="3487667"/>
-            <a:chExt cx="5420443" cy="1108609"/>
-          </a:xfrm>
-        </p:grpSpPr>
-        <p:sp>
-          <p:nvSpPr>
-            <p:cNvPr id="4" name="타원 3">
-              <a:extLst>
-                <a:ext uri="{FF2B5EF4-FFF2-40B4-BE49-F238E27FC236}">
-                  <a16:creationId xmlns:a16="http://schemas.microsoft.com/office/drawing/2014/main" id="{8F288DA7-8E6F-6CBF-18B4-8CCA26EC6EF4}"/>
-                </a:ext>
-              </a:extLst>
-            </p:cNvPr>
-            <p:cNvSpPr/>
-            <p:nvPr/>
-          </p:nvSpPr>
-          <p:spPr>
-            <a:xfrm>
-              <a:off x="1780248" y="3487667"/>
-              <a:ext cx="1108609" cy="1108609"/>
-            </a:xfrm>
-            <a:prstGeom prst="ellipse">
-              <a:avLst/>
-            </a:prstGeom>
-          </p:spPr>
-          <p:style>
-            <a:lnRef idx="2">
-              <a:schemeClr val="accent1">
-                <a:shade val="15000"/>
-              </a:schemeClr>
-            </a:lnRef>
-            <a:fillRef idx="1">
-              <a:schemeClr val="accent1"/>
-            </a:fillRef>
-            <a:effectRef idx="0">
-              <a:schemeClr val="accent1"/>
-            </a:effectRef>
-            <a:fontRef idx="minor">
-              <a:schemeClr val="lt1"/>
-            </a:fontRef>
-          </p:style>
-          <p:txBody>
-            <a:bodyPr rtlCol="0" anchor="ctr"/>
-            <a:lstStyle/>
-            <a:p>
-              <a:pPr algn="ctr"/>
-              <a:r>
-                <a:rPr lang="en-US" altLang="ko-KR" dirty="0">
-                  <a:latin typeface="맑은 고딕" panose="020B0503020000020004" pitchFamily="50" charset="-127"/>
-                </a:rPr>
-                <a:t>Gate1</a:t>
-              </a:r>
-              <a:endParaRPr lang="ko-KR" altLang="en-US" dirty="0">
-                <a:latin typeface="맑은 고딕" panose="020B0503020000020004" pitchFamily="50" charset="-127"/>
-              </a:endParaRPr>
-            </a:p>
-          </p:txBody>
-        </p:sp>
-        <p:sp>
-          <p:nvSpPr>
-            <p:cNvPr id="5" name="타원 4">
-              <a:extLst>
-                <a:ext uri="{FF2B5EF4-FFF2-40B4-BE49-F238E27FC236}">
-                  <a16:creationId xmlns:a16="http://schemas.microsoft.com/office/drawing/2014/main" id="{25B981A5-B611-286C-1064-2F5FECBA4922}"/>
-                </a:ext>
-              </a:extLst>
-            </p:cNvPr>
-            <p:cNvSpPr/>
-            <p:nvPr/>
-          </p:nvSpPr>
-          <p:spPr>
-            <a:xfrm>
-              <a:off x="3217526" y="3487667"/>
-              <a:ext cx="1108609" cy="1108609"/>
-            </a:xfrm>
-            <a:prstGeom prst="ellipse">
-              <a:avLst/>
-            </a:prstGeom>
-          </p:spPr>
-          <p:style>
-            <a:lnRef idx="2">
-              <a:schemeClr val="accent1">
-                <a:shade val="15000"/>
-              </a:schemeClr>
-            </a:lnRef>
-            <a:fillRef idx="1">
-              <a:schemeClr val="accent1"/>
-            </a:fillRef>
-            <a:effectRef idx="0">
-              <a:schemeClr val="accent1"/>
-            </a:effectRef>
-            <a:fontRef idx="minor">
-              <a:schemeClr val="lt1"/>
-            </a:fontRef>
-          </p:style>
-          <p:txBody>
-            <a:bodyPr rtlCol="0" anchor="ctr"/>
-            <a:lstStyle/>
-            <a:p>
-              <a:pPr algn="ctr"/>
-              <a:r>
-                <a:rPr lang="en-US" altLang="ko-KR" dirty="0">
-                  <a:latin typeface="맑은 고딕" panose="020B0503020000020004" pitchFamily="50" charset="-127"/>
-                </a:rPr>
-                <a:t>Gate2</a:t>
-              </a:r>
-              <a:endParaRPr lang="ko-KR" altLang="en-US" dirty="0">
-                <a:latin typeface="맑은 고딕" panose="020B0503020000020004" pitchFamily="50" charset="-127"/>
-              </a:endParaRPr>
-            </a:p>
-          </p:txBody>
-        </p:sp>
-        <p:sp>
-          <p:nvSpPr>
-            <p:cNvPr id="6" name="타원 5">
-              <a:extLst>
-                <a:ext uri="{FF2B5EF4-FFF2-40B4-BE49-F238E27FC236}">
-                  <a16:creationId xmlns:a16="http://schemas.microsoft.com/office/drawing/2014/main" id="{1D2A0DC2-CA97-3467-8B49-63F647B6D55A}"/>
-                </a:ext>
-              </a:extLst>
-            </p:cNvPr>
-            <p:cNvSpPr/>
-            <p:nvPr/>
-          </p:nvSpPr>
-          <p:spPr>
-            <a:xfrm>
-              <a:off x="4654804" y="3487667"/>
-              <a:ext cx="1108609" cy="1108609"/>
-            </a:xfrm>
-            <a:prstGeom prst="ellipse">
-              <a:avLst/>
-            </a:prstGeom>
-          </p:spPr>
-          <p:style>
-            <a:lnRef idx="2">
-              <a:schemeClr val="accent1">
-                <a:shade val="15000"/>
-              </a:schemeClr>
-            </a:lnRef>
-            <a:fillRef idx="1">
-              <a:schemeClr val="accent1"/>
-            </a:fillRef>
-            <a:effectRef idx="0">
-              <a:schemeClr val="accent1"/>
-            </a:effectRef>
-            <a:fontRef idx="minor">
-              <a:schemeClr val="lt1"/>
-            </a:fontRef>
-          </p:style>
-          <p:txBody>
-            <a:bodyPr rtlCol="0" anchor="ctr"/>
-            <a:lstStyle/>
-            <a:p>
-              <a:pPr algn="ctr"/>
-              <a:r>
-                <a:rPr lang="en-US" altLang="ko-KR" dirty="0">
-                  <a:latin typeface="맑은 고딕" panose="020B0503020000020004" pitchFamily="50" charset="-127"/>
-                </a:rPr>
-                <a:t>Gate3</a:t>
-              </a:r>
-              <a:endParaRPr lang="ko-KR" altLang="en-US" dirty="0">
-                <a:latin typeface="맑은 고딕" panose="020B0503020000020004" pitchFamily="50" charset="-127"/>
-              </a:endParaRPr>
-            </a:p>
-          </p:txBody>
-        </p:sp>
-        <p:sp>
-          <p:nvSpPr>
-            <p:cNvPr id="7" name="타원 6">
-              <a:extLst>
-                <a:ext uri="{FF2B5EF4-FFF2-40B4-BE49-F238E27FC236}">
-                  <a16:creationId xmlns:a16="http://schemas.microsoft.com/office/drawing/2014/main" id="{9B482B3D-E7AA-9FB2-EA81-88C34D9687C5}"/>
-                </a:ext>
-              </a:extLst>
-            </p:cNvPr>
-            <p:cNvSpPr/>
-            <p:nvPr/>
-          </p:nvSpPr>
-          <p:spPr>
-            <a:xfrm>
-              <a:off x="6092082" y="3487667"/>
-              <a:ext cx="1108609" cy="1108609"/>
-            </a:xfrm>
-            <a:prstGeom prst="ellipse">
-              <a:avLst/>
-            </a:prstGeom>
-          </p:spPr>
-          <p:style>
-            <a:lnRef idx="2">
-              <a:schemeClr val="accent1">
-                <a:shade val="15000"/>
-              </a:schemeClr>
-            </a:lnRef>
-            <a:fillRef idx="1">
-              <a:schemeClr val="accent1"/>
-            </a:fillRef>
-            <a:effectRef idx="0">
-              <a:schemeClr val="accent1"/>
-            </a:effectRef>
-            <a:fontRef idx="minor">
-              <a:schemeClr val="lt1"/>
-            </a:fontRef>
-          </p:style>
-          <p:txBody>
-            <a:bodyPr rtlCol="0" anchor="ctr"/>
-            <a:lstStyle/>
-            <a:p>
-              <a:pPr algn="ctr"/>
-              <a:r>
-                <a:rPr lang="en-US" altLang="ko-KR" dirty="0">
-                  <a:latin typeface="맑은 고딕" panose="020B0503020000020004" pitchFamily="50" charset="-127"/>
-                </a:rPr>
-                <a:t>Gate4</a:t>
-              </a:r>
-              <a:endParaRPr lang="ko-KR" altLang="en-US" dirty="0">
-                <a:latin typeface="맑은 고딕" panose="020B0503020000020004" pitchFamily="50" charset="-127"/>
-              </a:endParaRPr>
-            </a:p>
-          </p:txBody>
-        </p:sp>
-      </p:grpSp>
-      <p:sp>
-        <p:nvSpPr>
-          <p:cNvPr id="15" name="직사각형 14">
-            <a:extLst>
-              <a:ext uri="{FF2B5EF4-FFF2-40B4-BE49-F238E27FC236}">
-                <a16:creationId xmlns:a16="http://schemas.microsoft.com/office/drawing/2014/main" id="{3C8F4241-5535-F3A3-3C43-C9535F83ACAB}"/>
-              </a:ext>
-            </a:extLst>
-          </p:cNvPr>
-          <p:cNvSpPr/>
-          <p:nvPr/>
-        </p:nvSpPr>
-        <p:spPr>
-          <a:xfrm>
-            <a:off x="1605324" y="3596950"/>
-            <a:ext cx="5823163" cy="1351370"/>
-          </a:xfrm>
-          <a:prstGeom prst="rect">
-            <a:avLst/>
-          </a:prstGeom>
-          <a:noFill/>
-          <a:ln w="38100">
-            <a:solidFill>
-              <a:schemeClr val="accent3"/>
-            </a:solidFill>
-          </a:ln>
-        </p:spPr>
-        <p:style>
-          <a:lnRef idx="2">
-            <a:schemeClr val="accent1">
-              <a:shade val="15000"/>
-            </a:schemeClr>
-          </a:lnRef>
-          <a:fillRef idx="1">
-            <a:schemeClr val="accent1"/>
-          </a:fillRef>
-          <a:effectRef idx="0">
-            <a:schemeClr val="accent1"/>
-          </a:effectRef>
-          <a:fontRef idx="minor">
-            <a:schemeClr val="lt1"/>
-          </a:fontRef>
-        </p:style>
-        <p:txBody>
-          <a:bodyPr rtlCol="0" anchor="ctr"/>
-          <a:lstStyle/>
-          <a:p>
-            <a:pPr algn="ctr"/>
-            <a:endParaRPr lang="ko-KR" altLang="en-US" dirty="0">
-              <a:latin typeface="맑은 고딕" panose="020B0503020000020004" pitchFamily="50" charset="-127"/>
-            </a:endParaRPr>
-          </a:p>
-        </p:txBody>
-      </p:sp>
-      <p:sp>
-        <p:nvSpPr>
-          <p:cNvPr id="9" name="직사각형 8">
-            <a:extLst>
-              <a:ext uri="{FF2B5EF4-FFF2-40B4-BE49-F238E27FC236}">
-                <a16:creationId xmlns:a16="http://schemas.microsoft.com/office/drawing/2014/main" id="{856D7A23-C1BE-5BF8-4316-8D66DACFFB6C}"/>
-              </a:ext>
-            </a:extLst>
-          </p:cNvPr>
-          <p:cNvSpPr/>
-          <p:nvPr/>
-        </p:nvSpPr>
-        <p:spPr>
-          <a:xfrm>
-            <a:off x="4110943" y="5045423"/>
-            <a:ext cx="623087" cy="436970"/>
-          </a:xfrm>
-          <a:prstGeom prst="rect">
-            <a:avLst/>
-          </a:prstGeom>
-          <a:solidFill>
-            <a:schemeClr val="accent3"/>
-          </a:solidFill>
-          <a:ln>
-            <a:noFill/>
-          </a:ln>
-        </p:spPr>
-        <p:style>
-          <a:lnRef idx="2">
-            <a:schemeClr val="accent1">
-              <a:shade val="15000"/>
-            </a:schemeClr>
-          </a:lnRef>
-          <a:fillRef idx="1">
-            <a:schemeClr val="accent1"/>
-          </a:fillRef>
-          <a:effectRef idx="0">
-            <a:schemeClr val="accent1"/>
-          </a:effectRef>
-          <a:fontRef idx="minor">
-            <a:schemeClr val="lt1"/>
-          </a:fontRef>
-        </p:style>
-        <p:txBody>
-          <a:bodyPr rtlCol="0" anchor="ctr"/>
-          <a:lstStyle/>
-          <a:p>
-            <a:pPr algn="ctr"/>
-            <a:r>
-              <a:rPr lang="en-US" altLang="ko-KR" dirty="0">
-                <a:latin typeface="맑은 고딕" panose="020B0503020000020004" pitchFamily="50" charset="-127"/>
-              </a:rPr>
-              <a:t>4</a:t>
-            </a:r>
-            <a:endParaRPr lang="ko-KR" altLang="en-US" dirty="0">
-              <a:latin typeface="맑은 고딕" panose="020B0503020000020004" pitchFamily="50" charset="-127"/>
-            </a:endParaRPr>
-          </a:p>
-        </p:txBody>
-      </p:sp>
-      <p:pic>
-        <p:nvPicPr>
-          <p:cNvPr id="10" name="그래픽 9" descr="비행기 단색으로 채워진">
-            <a:extLst>
-              <a:ext uri="{FF2B5EF4-FFF2-40B4-BE49-F238E27FC236}">
-                <a16:creationId xmlns:a16="http://schemas.microsoft.com/office/drawing/2014/main" id="{E4336550-12C1-7055-248D-6415D31AA20F}"/>
-              </a:ext>
-            </a:extLst>
-          </p:cNvPr>
-          <p:cNvPicPr>
-            <a:picLocks noChangeAspect="1"/>
-          </p:cNvPicPr>
-          <p:nvPr/>
-        </p:nvPicPr>
-        <p:blipFill>
-          <a:blip r:embed="rId2">
-            <a:extLst>
-              <a:ext uri="{96DAC541-7B7A-43D3-8B79-37D633B846F1}">
-                <asvg:svgBlip xmlns:asvg="http://schemas.microsoft.com/office/drawing/2016/SVG/main" r:embed="rId3"/>
-              </a:ext>
-            </a:extLst>
-          </a:blip>
-          <a:stretch>
-            <a:fillRect/>
-          </a:stretch>
-        </p:blipFill>
-        <p:spPr>
-          <a:xfrm>
-            <a:off x="3431212" y="5086087"/>
-            <a:ext cx="914400" cy="914400"/>
-          </a:xfrm>
-          <a:prstGeom prst="rect">
-            <a:avLst/>
-          </a:prstGeom>
-        </p:spPr>
-      </p:pic>
-      <p:pic>
-        <p:nvPicPr>
-          <p:cNvPr id="11" name="그래픽 10" descr="비행기 단색으로 채워진">
-            <a:extLst>
-              <a:ext uri="{FF2B5EF4-FFF2-40B4-BE49-F238E27FC236}">
-                <a16:creationId xmlns:a16="http://schemas.microsoft.com/office/drawing/2014/main" id="{11D7D2A3-C982-EAC5-8857-5CBD0F7D3A77}"/>
-              </a:ext>
-            </a:extLst>
-          </p:cNvPr>
-          <p:cNvPicPr>
-            <a:picLocks noChangeAspect="1"/>
-          </p:cNvPicPr>
-          <p:nvPr/>
-        </p:nvPicPr>
-        <p:blipFill>
-          <a:blip r:embed="rId2">
-            <a:extLst>
-              <a:ext uri="{96DAC541-7B7A-43D3-8B79-37D633B846F1}">
-                <asvg:svgBlip xmlns:asvg="http://schemas.microsoft.com/office/drawing/2016/SVG/main" r:embed="rId3"/>
-              </a:ext>
-            </a:extLst>
-          </a:blip>
-          <a:stretch>
-            <a:fillRect/>
-          </a:stretch>
-        </p:blipFill>
-        <p:spPr>
-          <a:xfrm>
-            <a:off x="4467182" y="5090479"/>
-            <a:ext cx="914400" cy="914400"/>
-          </a:xfrm>
-          <a:prstGeom prst="rect">
-            <a:avLst/>
-          </a:prstGeom>
-        </p:spPr>
-      </p:pic>
-      <p:pic>
-        <p:nvPicPr>
-          <p:cNvPr id="12" name="그래픽 11" descr="비행기 단색으로 채워진">
-            <a:extLst>
-              <a:ext uri="{FF2B5EF4-FFF2-40B4-BE49-F238E27FC236}">
-                <a16:creationId xmlns:a16="http://schemas.microsoft.com/office/drawing/2014/main" id="{14806C42-CA49-72D5-C86E-F8F33703208B}"/>
-              </a:ext>
-            </a:extLst>
-          </p:cNvPr>
-          <p:cNvPicPr>
-            <a:picLocks noChangeAspect="1"/>
-          </p:cNvPicPr>
-          <p:nvPr/>
-        </p:nvPicPr>
-        <p:blipFill>
-          <a:blip r:embed="rId2">
-            <a:extLst>
-              <a:ext uri="{96DAC541-7B7A-43D3-8B79-37D633B846F1}">
-                <asvg:svgBlip xmlns:asvg="http://schemas.microsoft.com/office/drawing/2016/SVG/main" r:embed="rId3"/>
-              </a:ext>
-            </a:extLst>
-          </a:blip>
-          <a:stretch>
-            <a:fillRect/>
-          </a:stretch>
-        </p:blipFill>
-        <p:spPr>
-          <a:xfrm>
-            <a:off x="2663927" y="5086087"/>
-            <a:ext cx="914400" cy="914400"/>
-          </a:xfrm>
-          <a:prstGeom prst="rect">
-            <a:avLst/>
-          </a:prstGeom>
-        </p:spPr>
-      </p:pic>
-      <p:pic>
-        <p:nvPicPr>
-          <p:cNvPr id="13" name="그래픽 12" descr="비행기 단색으로 채워진">
-            <a:extLst>
-              <a:ext uri="{FF2B5EF4-FFF2-40B4-BE49-F238E27FC236}">
-                <a16:creationId xmlns:a16="http://schemas.microsoft.com/office/drawing/2014/main" id="{CA3D4FF9-247C-E2FF-5E88-A9107506854B}"/>
-              </a:ext>
-            </a:extLst>
-          </p:cNvPr>
-          <p:cNvPicPr>
-            <a:picLocks noChangeAspect="1"/>
-          </p:cNvPicPr>
-          <p:nvPr/>
-        </p:nvPicPr>
-        <p:blipFill>
-          <a:blip r:embed="rId2">
-            <a:extLst>
-              <a:ext uri="{96DAC541-7B7A-43D3-8B79-37D633B846F1}">
-                <asvg:svgBlip xmlns:asvg="http://schemas.microsoft.com/office/drawing/2016/SVG/main" r:embed="rId3"/>
-              </a:ext>
-            </a:extLst>
-          </a:blip>
-          <a:stretch>
-            <a:fillRect/>
-          </a:stretch>
-        </p:blipFill>
-        <p:spPr>
-          <a:xfrm>
-            <a:off x="5210380" y="5086087"/>
-            <a:ext cx="914400" cy="914400"/>
-          </a:xfrm>
-          <a:prstGeom prst="rect">
-            <a:avLst/>
-          </a:prstGeom>
-        </p:spPr>
-      </p:pic>
-      <p:pic>
-        <p:nvPicPr>
-          <p:cNvPr id="14" name="그래픽 13" descr="비행기 단색으로 채워진">
-            <a:extLst>
-              <a:ext uri="{FF2B5EF4-FFF2-40B4-BE49-F238E27FC236}">
-                <a16:creationId xmlns:a16="http://schemas.microsoft.com/office/drawing/2014/main" id="{CCE73943-5953-7355-D6A7-5470B572AB04}"/>
-              </a:ext>
-            </a:extLst>
-          </p:cNvPr>
-          <p:cNvPicPr>
-            <a:picLocks noChangeAspect="1"/>
-          </p:cNvPicPr>
-          <p:nvPr/>
-        </p:nvPicPr>
-        <p:blipFill>
-          <a:blip r:embed="rId2">
-            <a:extLst>
-              <a:ext uri="{96DAC541-7B7A-43D3-8B79-37D633B846F1}">
-                <asvg:svgBlip xmlns:asvg="http://schemas.microsoft.com/office/drawing/2016/SVG/main" r:embed="rId3"/>
-              </a:ext>
-            </a:extLst>
-          </a:blip>
-          <a:stretch>
-            <a:fillRect/>
-          </a:stretch>
-        </p:blipFill>
-        <p:spPr>
-          <a:xfrm rot="16200000">
-            <a:off x="8784470" y="4135244"/>
-            <a:ext cx="914400" cy="914400"/>
-          </a:xfrm>
-          <a:prstGeom prst="rect">
-            <a:avLst/>
-          </a:prstGeom>
-        </p:spPr>
-      </p:pic>
-      <p:pic>
-        <p:nvPicPr>
-          <p:cNvPr id="16" name="그래픽 15" descr="비행기 단색으로 채워진">
-            <a:extLst>
-              <a:ext uri="{FF2B5EF4-FFF2-40B4-BE49-F238E27FC236}">
-                <a16:creationId xmlns:a16="http://schemas.microsoft.com/office/drawing/2014/main" id="{6B102052-1F28-89A8-9807-D16EC494475A}"/>
-              </a:ext>
-            </a:extLst>
-          </p:cNvPr>
-          <p:cNvPicPr>
-            <a:picLocks noChangeAspect="1"/>
-          </p:cNvPicPr>
-          <p:nvPr/>
-        </p:nvPicPr>
-        <p:blipFill>
-          <a:blip r:embed="rId2">
-            <a:extLst>
-              <a:ext uri="{96DAC541-7B7A-43D3-8B79-37D633B846F1}">
-                <asvg:svgBlip xmlns:asvg="http://schemas.microsoft.com/office/drawing/2016/SVG/main" r:embed="rId3"/>
-              </a:ext>
-            </a:extLst>
-          </a:blip>
-          <a:stretch>
-            <a:fillRect/>
-          </a:stretch>
-        </p:blipFill>
-        <p:spPr>
-          <a:xfrm rot="16200000">
-            <a:off x="8784470" y="4883967"/>
-            <a:ext cx="914400" cy="914400"/>
-          </a:xfrm>
-          <a:prstGeom prst="rect">
-            <a:avLst/>
-          </a:prstGeom>
-        </p:spPr>
-      </p:pic>
-    </p:spTree>
-    <p:extLst>
-      <p:ext uri="{BB962C8B-B14F-4D97-AF65-F5344CB8AC3E}">
-        <p14:creationId xmlns:p14="http://schemas.microsoft.com/office/powerpoint/2010/main" val="3325350452"/>
       </p:ext>
     </p:extLst>
   </p:cSld>
